--- a/传感器作业/唐慧敏.pptx
+++ b/传感器作业/唐慧敏.pptx
@@ -6,16 +6,16 @@
     <p:sldMasterId id="2147483660" r:id="rId3"/>
   </p:sldMasterIdLst>
   <p:notesMasterIdLst>
-    <p:notesMasterId r:id="rId11"/>
+    <p:notesMasterId r:id="rId6"/>
   </p:notesMasterIdLst>
   <p:sldIdLst>
     <p:sldId id="410" r:id="rId4"/>
     <p:sldId id="412" r:id="rId5"/>
-    <p:sldId id="413" r:id="rId6"/>
-    <p:sldId id="414" r:id="rId7"/>
-    <p:sldId id="416" r:id="rId8"/>
-    <p:sldId id="415" r:id="rId9"/>
-    <p:sldId id="417" r:id="rId10"/>
+    <p:sldId id="413" r:id="rId7"/>
+    <p:sldId id="414" r:id="rId8"/>
+    <p:sldId id="416" r:id="rId9"/>
+    <p:sldId id="415" r:id="rId10"/>
+    <p:sldId id="417" r:id="rId11"/>
     <p:sldId id="418" r:id="rId12"/>
     <p:sldId id="421" r:id="rId13"/>
     <p:sldId id="420" r:id="rId14"/>
@@ -23,7 +23,8 @@
     <p:sldId id="423" r:id="rId16"/>
     <p:sldId id="419" r:id="rId17"/>
     <p:sldId id="425" r:id="rId18"/>
-    <p:sldId id="426" r:id="rId19"/>
+    <p:sldId id="428" r:id="rId19"/>
+    <p:sldId id="426" r:id="rId20"/>
   </p:sldIdLst>
   <p:sldSz cx="12192000" cy="6858000"/>
   <p:notesSz cx="6858000" cy="9144000"/>
@@ -504,6 +505,21 @@
         <p:txBody>
           <a:bodyPr/>
           <a:p>
+            <a:pPr marL="0" lvl="0" indent="0" algn="l" rtl="0">
+              <a:spcBef>
+                <a:spcPts val="0"/>
+              </a:spcBef>
+              <a:spcAft>
+                <a:spcPts val="0"/>
+              </a:spcAft>
+              <a:buNone/>
+            </a:pPr>
+            <a:r>
+              <a:rPr lang="zh-CN">
+                <a:sym typeface="+mn-ea"/>
+              </a:rPr>
+              <a:t>这些方案大多依赖于密钥预分配，存在操作不方便，资源受限等问题，并不适合可穿戴设备。</a:t>
+            </a:r>
             <a:endParaRPr lang="zh-CN" altLang="en-US"/>
           </a:p>
         </p:txBody>
@@ -548,20 +564,369 @@
         <p:txBody>
           <a:bodyPr/>
           <a:p>
+            <a:endParaRPr lang="zh-CN" altLang="en-US"/>
+          </a:p>
+        </p:txBody>
+      </p:sp>
+    </p:spTree>
+  </p:cSld>
+  <p:clrMapOvr>
+    <a:masterClrMapping/>
+  </p:clrMapOvr>
+</p:notes>
+</file>
+
+<file path=ppt/notesSlides/notesSlide3.xml><?xml version="1.0" encoding="utf-8"?>
+<p:notes xmlns:a="http://schemas.openxmlformats.org/drawingml/2006/main" xmlns:r="http://schemas.openxmlformats.org/officeDocument/2006/relationships" xmlns:p="http://schemas.openxmlformats.org/presentationml/2006/main">
+  <p:cSld>
+    <p:spTree>
+      <p:nvGrpSpPr>
+        <p:cNvPr id="1" name=""/>
+        <p:cNvGrpSpPr/>
+        <p:nvPr/>
+      </p:nvGrpSpPr>
+      <p:grpSpPr/>
+      <p:sp>
+        <p:nvSpPr>
+          <p:cNvPr id="2" name="幻灯片图像占位符 1"/>
+          <p:cNvSpPr/>
+          <p:nvPr>
+            <p:ph type="sldImg" idx="2"/>
+          </p:nvPr>
+        </p:nvSpPr>
+        <p:spPr/>
+      </p:sp>
+      <p:sp>
+        <p:nvSpPr>
+          <p:cNvPr id="3" name="文本占位符 2"/>
+          <p:cNvSpPr/>
+          <p:nvPr>
+            <p:ph type="body" idx="3"/>
+          </p:nvPr>
+        </p:nvSpPr>
+        <p:spPr/>
+        <p:txBody>
+          <a:bodyPr/>
+          <a:p>
+            <a:r>
+              <a:rPr lang="zh-CN" altLang="en-US"/>
+              <a:t>先滤波。在对三通道的加速度进行量化</a:t>
+            </a:r>
+            <a:endParaRPr lang="zh-CN" altLang="en-US"/>
+          </a:p>
+          <a:p>
+            <a:endParaRPr lang="zh-CN" altLang="en-US"/>
+          </a:p>
+          <a:p>
+            <a:r>
+              <a:rPr lang="zh-CN" altLang="en-US"/>
+              <a:t>特别的是，我们在一个不重叠的</a:t>
+            </a:r>
+            <a:r>
+              <a:rPr lang="en-US" altLang="zh-CN"/>
+              <a:t>W</a:t>
+            </a:r>
+            <a:r>
+              <a:rPr lang="zh-CN" altLang="en-US"/>
+              <a:t>窗口进行量化操作</a:t>
+            </a:r>
+            <a:endParaRPr lang="zh-CN" altLang="en-US"/>
+          </a:p>
+          <a:p>
+            <a:endParaRPr lang="zh-CN" altLang="en-US"/>
+          </a:p>
+          <a:p>
+            <a:r>
+              <a:rPr lang="zh-CN" altLang="en-US"/>
+              <a:t>我们分别对三个方向的加速度值进行滤波，然后量化。我们首先使用低通滤波器去噪。</a:t>
+            </a:r>
+            <a:endParaRPr lang="zh-CN" altLang="en-US"/>
+          </a:p>
+          <a:p>
+            <a:r>
+              <a:rPr lang="zh-CN" altLang="en-US"/>
+              <a:t>滤波后，将加速度值归一化为均值和单位长度为零，以缓解不同身体位置的影响。</a:t>
+            </a:r>
+            <a:endParaRPr lang="zh-CN" altLang="en-US"/>
+          </a:p>
+          <a:p>
+            <a:endParaRPr lang="zh-CN" altLang="en-US"/>
+          </a:p>
+          <a:p>
+            <a:r>
+              <a:rPr lang="zh-CN" altLang="en-US"/>
+              <a:t>然后我们利用多电平量化技术从加速度计信号样本中提取多个比特。更具体地说，我们用一个没有重叠的移动窗口(窗口大小为W)分割加速度值。此后，对于每个窗口，我们通过以下步骤生成位。</a:t>
+            </a:r>
+            <a:endParaRPr lang="zh-CN" altLang="en-US"/>
+          </a:p>
+        </p:txBody>
+      </p:sp>
+    </p:spTree>
+  </p:cSld>
+  <p:clrMapOvr>
+    <a:masterClrMapping/>
+  </p:clrMapOvr>
+</p:notes>
+</file>
+
+<file path=ppt/notesSlides/notesSlide4.xml><?xml version="1.0" encoding="utf-8"?>
+<p:notes xmlns:a="http://schemas.openxmlformats.org/drawingml/2006/main" xmlns:r="http://schemas.openxmlformats.org/officeDocument/2006/relationships" xmlns:p="http://schemas.openxmlformats.org/presentationml/2006/main">
+  <p:cSld>
+    <p:spTree>
+      <p:nvGrpSpPr>
+        <p:cNvPr id="1" name=""/>
+        <p:cNvGrpSpPr/>
+        <p:nvPr/>
+      </p:nvGrpSpPr>
+      <p:grpSpPr/>
+      <p:sp>
+        <p:nvSpPr>
+          <p:cNvPr id="2" name="幻灯片图像占位符 1"/>
+          <p:cNvSpPr/>
+          <p:nvPr>
+            <p:ph type="sldImg" idx="2"/>
+          </p:nvPr>
+        </p:nvSpPr>
+        <p:spPr/>
+      </p:sp>
+      <p:sp>
+        <p:nvSpPr>
+          <p:cNvPr id="3" name="文本占位符 2"/>
+          <p:cNvSpPr/>
+          <p:nvPr>
+            <p:ph type="body" idx="3"/>
+          </p:nvPr>
+        </p:nvSpPr>
+        <p:spPr/>
+        <p:txBody>
+          <a:bodyPr/>
+          <a:p>
+            <a:r>
+              <a:rPr lang="en-US" altLang="zh-CN"/>
+              <a:t>第一步是确定每个样本可以分配的最大比特数。</a:t>
+            </a:r>
+            <a:endParaRPr lang="en-US" altLang="zh-CN"/>
+          </a:p>
+          <a:p>
+            <a:r>
+              <a:rPr lang="en-US" altLang="zh-CN"/>
+              <a:t>The upper bound of the quantization level mMAX</a:t>
+            </a:r>
+            <a:endParaRPr lang="en-US" altLang="zh-CN"/>
+          </a:p>
+          <a:p>
+            <a:endParaRPr lang="en-US" altLang="zh-CN"/>
+          </a:p>
+          <a:p>
+            <a:r>
+              <a:rPr lang="en-US" altLang="zh-CN"/>
+              <a:t>q0</a:t>
+            </a:r>
+            <a:r>
+              <a:rPr lang="zh-CN" altLang="en-US"/>
+              <a:t>是加速度样本中的最小值，</a:t>
+            </a:r>
+            <a:r>
+              <a:rPr lang="en-US" altLang="zh-CN"/>
+              <a:t>qm</a:t>
+            </a:r>
+            <a:r>
+              <a:rPr lang="zh-CN" altLang="en-US"/>
+              <a:t>是加速度样本中的最大值</a:t>
+            </a:r>
+            <a:endParaRPr lang="zh-CN" altLang="en-US"/>
+          </a:p>
+          <a:p>
+            <a:endParaRPr lang="zh-CN" altLang="en-US"/>
+          </a:p>
+          <a:p>
+            <a:r>
+              <a:rPr lang="zh-CN" altLang="en-US"/>
+              <a:t>在接下来的步骤中，我们计算量化中每个层次的大小。在多比特(即m-ary)量化中，保护带(gi)被插入两个连续能级(即qi 1和qi)之间以增加比特一致率。在量化过程中，保护带样本被排除在外，剩余的样本根据它们的能级被编码为位。符号α表示保护带与数据的比值(即所有保护带中被排除的加速度值除以样本总数)。m进位量化中的每一层，m为层数，用一个数字表示(即0级到-级(m-1))。单个量化区间由以下方程式计算</a:t>
+            </a:r>
+            <a:endParaRPr lang="zh-CN" altLang="en-US"/>
+          </a:p>
+          <a:p>
+            <a:endParaRPr lang="zh-CN" altLang="en-US"/>
+          </a:p>
+          <a:p>
+            <a:r>
+              <a:rPr lang="zh-CN" altLang="en-US"/>
+              <a:t>从AccG、AccF、AccS中分别提取三个单独的比特流KG、KF、KS，将三个比特流串联在一起，得到Alice的密钥KAlice = [KG, KF, KS]。</a:t>
+            </a:r>
+            <a:endParaRPr lang="zh-CN" altLang="en-US"/>
+          </a:p>
+        </p:txBody>
+      </p:sp>
+    </p:spTree>
+  </p:cSld>
+  <p:clrMapOvr>
+    <a:masterClrMapping/>
+  </p:clrMapOvr>
+</p:notes>
+</file>
+
+<file path=ppt/notesSlides/notesSlide5.xml><?xml version="1.0" encoding="utf-8"?>
+<p:notes xmlns:a="http://schemas.openxmlformats.org/drawingml/2006/main" xmlns:r="http://schemas.openxmlformats.org/officeDocument/2006/relationships" xmlns:p="http://schemas.openxmlformats.org/presentationml/2006/main">
+  <p:cSld>
+    <p:spTree>
+      <p:nvGrpSpPr>
+        <p:cNvPr id="1" name=""/>
+        <p:cNvGrpSpPr/>
+        <p:nvPr/>
+      </p:nvGrpSpPr>
+      <p:grpSpPr/>
+      <p:sp>
+        <p:nvSpPr>
+          <p:cNvPr id="2" name="幻灯片图像占位符 1"/>
+          <p:cNvSpPr/>
+          <p:nvPr>
+            <p:ph type="sldImg" idx="2"/>
+          </p:nvPr>
+        </p:nvSpPr>
+        <p:spPr/>
+      </p:sp>
+      <p:sp>
+        <p:nvSpPr>
+          <p:cNvPr id="3" name="文本占位符 2"/>
+          <p:cNvSpPr/>
+          <p:nvPr>
+            <p:ph type="body" idx="3"/>
+          </p:nvPr>
+        </p:nvSpPr>
+        <p:spPr/>
+        <p:txBody>
+          <a:bodyPr/>
+          <a:p>
+            <a:endParaRPr lang="zh-CN" altLang="en-US"/>
+          </a:p>
+          <a:p>
+            <a:r>
+              <a:rPr lang="zh-CN" altLang="en-US"/>
+              <a:t>量化之后，每个设备最终会独立地得到一个密钥字符串。然而，由于噪声的存在，可能存在一些不匹配，我们通常得到KAlice≈KBob。</a:t>
+            </a:r>
+            <a:endParaRPr lang="zh-CN" altLang="en-US"/>
+          </a:p>
+          <a:p>
+            <a:r>
+              <a:rPr lang="zh-CN" altLang="en-US"/>
+              <a:t>和解的目的是纠正Alice和Bob之间的比特不匹配。</a:t>
+            </a:r>
+            <a:endParaRPr lang="zh-CN" altLang="en-US"/>
+          </a:p>
+          <a:p>
+            <a:endParaRPr lang="zh-CN" altLang="en-US"/>
+          </a:p>
+          <a:p>
+            <a:r>
+              <a:rPr lang="zh-CN" altLang="en-US"/>
+              <a:t>它与Parity不同的是如果数据位是8位，则需要增加5位来进行ECC错误检查和纠正，数据位每增加一倍，ECC只增加一位检验位，也就是说当数据位为16位时ECC位为6位，32位时ECC位为7位，数据位为64位时ECC位为8位，依此类推，数据位每增加一倍，ECC位只增加一位。总之，在内存中ECC能够容许错误，并可以将错误更正，使系统得以持续正常的操作，不致因错误而中断，且ECC具有自动更正的能力，可以将Parity无法检查出来的错误位查出并将错误修正。</a:t>
+            </a:r>
+            <a:endParaRPr lang="zh-CN" altLang="en-US"/>
+          </a:p>
+        </p:txBody>
+      </p:sp>
+    </p:spTree>
+  </p:cSld>
+  <p:clrMapOvr>
+    <a:masterClrMapping/>
+  </p:clrMapOvr>
+</p:notes>
+</file>
+
+<file path=ppt/notesSlides/notesSlide6.xml><?xml version="1.0" encoding="utf-8"?>
+<p:notes xmlns:a="http://schemas.openxmlformats.org/drawingml/2006/main" xmlns:r="http://schemas.openxmlformats.org/officeDocument/2006/relationships" xmlns:p="http://schemas.openxmlformats.org/presentationml/2006/main">
+  <p:cSld>
+    <p:spTree>
+      <p:nvGrpSpPr>
+        <p:cNvPr id="1" name=""/>
+        <p:cNvGrpSpPr/>
+        <p:nvPr/>
+      </p:nvGrpSpPr>
+      <p:grpSpPr/>
+      <p:sp>
+        <p:nvSpPr>
+          <p:cNvPr id="2" name="幻灯片图像占位符 1"/>
+          <p:cNvSpPr/>
+          <p:nvPr>
+            <p:ph type="sldImg" idx="2"/>
+          </p:nvPr>
+        </p:nvSpPr>
+        <p:spPr/>
+      </p:sp>
+      <p:sp>
+        <p:nvSpPr>
+          <p:cNvPr id="3" name="文本占位符 2"/>
+          <p:cNvSpPr/>
+          <p:nvPr>
+            <p:ph type="body" idx="3"/>
+          </p:nvPr>
+        </p:nvSpPr>
+        <p:spPr/>
+        <p:txBody>
+          <a:bodyPr/>
+          <a:p>
             <a:r>
               <a:rPr lang="zh-CN" altLang="en-US">
                 <a:sym typeface="+mn-ea"/>
               </a:rPr>
-              <a:t>为了确保不发生部分信息泄漏，我们进一步应用隐私放大技术。</a:t>
+              <a:t>由于Alice和Bob不共享经过身份验证的通道，因此Eve可以在和解过程中模拟为Alice或Bob。这样的攻击将允许敌手插入她自己的假消息，从而欺骗一个合法的设备，破坏协议，而不暴露他的存在。为了解决这个问题，我们使用了消息认证码(MAC)方法来验证消息没有被修改。具体来说，MAC方法包含以下三个步骤</a:t>
             </a:r>
             <a:endParaRPr lang="zh-CN" altLang="en-US"/>
           </a:p>
+          <a:p>
+            <a:endParaRPr lang="zh-CN" altLang="en-US"/>
+          </a:p>
+          <a:p>
+            <a:endParaRPr lang="zh-CN" altLang="en-US"/>
+          </a:p>
+        </p:txBody>
+      </p:sp>
+    </p:spTree>
+  </p:cSld>
+  <p:clrMapOvr>
+    <a:masterClrMapping/>
+  </p:clrMapOvr>
+</p:notes>
+</file>
+
+<file path=ppt/notesSlides/notesSlide7.xml><?xml version="1.0" encoding="utf-8"?>
+<p:notes xmlns:a="http://schemas.openxmlformats.org/drawingml/2006/main" xmlns:r="http://schemas.openxmlformats.org/officeDocument/2006/relationships" xmlns:p="http://schemas.openxmlformats.org/presentationml/2006/main">
+  <p:cSld>
+    <p:spTree>
+      <p:nvGrpSpPr>
+        <p:cNvPr id="1" name=""/>
+        <p:cNvGrpSpPr/>
+        <p:nvPr/>
+      </p:nvGrpSpPr>
+      <p:grpSpPr/>
+      <p:sp>
+        <p:nvSpPr>
+          <p:cNvPr id="2" name="幻灯片图像占位符 1"/>
+          <p:cNvSpPr/>
+          <p:nvPr>
+            <p:ph type="sldImg" idx="2"/>
+          </p:nvPr>
+        </p:nvSpPr>
+        <p:spPr/>
+      </p:sp>
+      <p:sp>
+        <p:nvSpPr>
+          <p:cNvPr id="3" name="文本占位符 2"/>
+          <p:cNvSpPr/>
+          <p:nvPr>
+            <p:ph type="body" idx="3"/>
+          </p:nvPr>
+        </p:nvSpPr>
+        <p:spPr/>
+        <p:txBody>
+          <a:bodyPr/>
           <a:p>
             <a:r>
               <a:rPr lang="zh-CN" altLang="en-US">
                 <a:sym typeface="+mn-ea"/>
               </a:rPr>
-              <a:t>隐私放大中的异或函数如何有助于增强最终密钥的随机性</a:t>
+              <a:t>为了确保不发生部分信息泄漏，我们进一步应用隐私放大技术。</a:t>
             </a:r>
             <a:endParaRPr lang="zh-CN" altLang="en-US"/>
           </a:p>
@@ -570,7 +935,7 @@
               <a:rPr lang="zh-CN" altLang="en-US">
                 <a:sym typeface="+mn-ea"/>
               </a:rPr>
-              <a:t>如图所示，我们可以看到，经过异或运算后熵的分布更接近于1，</a:t>
+              <a:t>隐私放大中的异或函数如何有助于增强最终密钥的随机性</a:t>
             </a:r>
             <a:endParaRPr lang="zh-CN" altLang="en-US"/>
           </a:p>
@@ -579,10 +944,63 @@
               <a:rPr lang="zh-CN" altLang="en-US">
                 <a:sym typeface="+mn-ea"/>
               </a:rPr>
+              <a:t>如图所示，我们可以看到，经过异或运算后熵的分布更接近于1，</a:t>
+            </a:r>
+            <a:endParaRPr lang="zh-CN" altLang="en-US"/>
+          </a:p>
+          <a:p>
+            <a:r>
+              <a:rPr lang="zh-CN" altLang="en-US">
+                <a:sym typeface="+mn-ea"/>
+              </a:rPr>
               <a:t>我们还注意到，最终密钥的熵值在0.94到1之间变化，这表明该方法能够以良好的熵值提取密钥。</a:t>
             </a:r>
             <a:endParaRPr lang="zh-CN" altLang="en-US"/>
           </a:p>
+          <a:p>
+            <a:endParaRPr lang="zh-CN" altLang="en-US"/>
+          </a:p>
+        </p:txBody>
+      </p:sp>
+    </p:spTree>
+  </p:cSld>
+  <p:clrMapOvr>
+    <a:masterClrMapping/>
+  </p:clrMapOvr>
+</p:notes>
+</file>
+
+<file path=ppt/notesSlides/notesSlide8.xml><?xml version="1.0" encoding="utf-8"?>
+<p:notes xmlns:a="http://schemas.openxmlformats.org/drawingml/2006/main" xmlns:r="http://schemas.openxmlformats.org/officeDocument/2006/relationships" xmlns:p="http://schemas.openxmlformats.org/presentationml/2006/main">
+  <p:cSld>
+    <p:spTree>
+      <p:nvGrpSpPr>
+        <p:cNvPr id="1" name=""/>
+        <p:cNvGrpSpPr/>
+        <p:nvPr/>
+      </p:nvGrpSpPr>
+      <p:grpSpPr/>
+      <p:sp>
+        <p:nvSpPr>
+          <p:cNvPr id="2" name="幻灯片图像占位符 1"/>
+          <p:cNvSpPr/>
+          <p:nvPr>
+            <p:ph type="sldImg" idx="2"/>
+          </p:nvPr>
+        </p:nvSpPr>
+        <p:spPr/>
+      </p:sp>
+      <p:sp>
+        <p:nvSpPr>
+          <p:cNvPr id="3" name="文本占位符 2"/>
+          <p:cNvSpPr/>
+          <p:nvPr>
+            <p:ph type="body" idx="3"/>
+          </p:nvPr>
+        </p:nvSpPr>
+        <p:spPr/>
+        <p:txBody>
+          <a:bodyPr/>
           <a:p>
             <a:endParaRPr lang="zh-CN" altLang="en-US"/>
           </a:p>
@@ -5309,7 +5727,7 @@
         <p:spPr>
           <a:xfrm>
             <a:off x="869315" y="2433955"/>
-            <a:ext cx="10403205" cy="922020"/>
+            <a:ext cx="10403205" cy="1014730"/>
           </a:xfrm>
           <a:prstGeom prst="rect">
             <a:avLst/>
@@ -5322,7 +5740,7 @@
           </a:bodyPr>
           <a:p>
             <a:r>
-              <a:rPr lang="zh-CN" altLang="en-US">
+              <a:rPr lang="zh-CN" altLang="en-US" sz="2000">
                 <a:solidFill>
                   <a:schemeClr val="tx1"/>
                 </a:solidFill>
@@ -5331,7 +5749,17 @@
               </a:rPr>
               <a:t>We perform filtering, then quantization for the acceleration values along the three directions separately. We first apply a low-pass filter for noise reduction. The cutoff frequency is chosen as 10Hz, as the useful frequency of human motion lies below 10Hz</a:t>
             </a:r>
-            <a:endParaRPr lang="zh-CN" altLang="en-US">
+            <a:r>
+              <a:rPr lang="en-US" altLang="zh-CN" sz="2000">
+                <a:solidFill>
+                  <a:schemeClr val="tx1"/>
+                </a:solidFill>
+                <a:uFillTx/>
+                <a:latin typeface="Times New Roman" panose="02020603050405020304" charset="0"/>
+              </a:rPr>
+              <a:t>.</a:t>
+            </a:r>
+            <a:endParaRPr lang="en-US" altLang="zh-CN" sz="2000">
               <a:solidFill>
                 <a:schemeClr val="tx1"/>
               </a:solidFill>
@@ -5350,7 +5778,7 @@
         <p:spPr>
           <a:xfrm>
             <a:off x="869315" y="3909695"/>
-            <a:ext cx="5408930" cy="1198880"/>
+            <a:ext cx="5408930" cy="1322070"/>
           </a:xfrm>
           <a:prstGeom prst="rect">
             <a:avLst/>
@@ -5368,13 +5796,13 @@
               <a:buFontTx/>
             </a:pPr>
             <a:r>
-              <a:rPr lang="zh-CN" altLang="en-US">
+              <a:rPr lang="zh-CN" altLang="en-US" sz="2000">
                 <a:uFillTx/>
                 <a:latin typeface="Times New Roman" panose="02020603050405020304" charset="0"/>
               </a:rPr>
               <a:t>More specifically, we segment the acceleration values with a moving window with no overlap (window size W). Thereafter, for each window, we generate bits by the following steps:</a:t>
             </a:r>
-            <a:endParaRPr lang="en-US" altLang="zh-CN">
+            <a:endParaRPr lang="en-US" altLang="zh-CN" sz="2000">
               <a:uFillTx/>
               <a:latin typeface="Times New Roman" panose="02020603050405020304" charset="0"/>
             </a:endParaRPr>
@@ -6040,7 +6468,7 @@
         </p:blipFill>
         <p:spPr>
           <a:xfrm>
-            <a:off x="1026795" y="4206240"/>
+            <a:off x="1026795" y="4082415"/>
             <a:ext cx="6027420" cy="358140"/>
           </a:xfrm>
           <a:prstGeom prst="rect">
@@ -6064,7 +6492,7 @@
         </p:blipFill>
         <p:spPr>
           <a:xfrm>
-            <a:off x="1625600" y="5102860"/>
+            <a:off x="1625600" y="5004435"/>
             <a:ext cx="4320540" cy="708660"/>
           </a:xfrm>
           <a:prstGeom prst="rect">
@@ -6206,7 +6634,7 @@
         </p:blipFill>
         <p:spPr>
           <a:xfrm>
-            <a:off x="732790" y="2025650"/>
+            <a:off x="733425" y="2025650"/>
             <a:ext cx="10725785" cy="4382770"/>
           </a:xfrm>
           <a:prstGeom prst="rect">
@@ -6714,6 +7142,255 @@
       <p:grpSpPr/>
       <p:sp>
         <p:nvSpPr>
+          <p:cNvPr id="2" name="标题 1"/>
+          <p:cNvSpPr>
+            <a:spLocks noGrp="1"/>
+          </p:cNvSpPr>
+          <p:nvPr>
+            <p:ph type="title"/>
+          </p:nvPr>
+        </p:nvSpPr>
+        <p:spPr/>
+        <p:txBody>
+          <a:bodyPr/>
+          <a:p>
+            <a:r>
+              <a:rPr lang="en-US" altLang="zh-CN">
+                <a:solidFill>
+                  <a:schemeClr val="bg1"/>
+                </a:solidFill>
+              </a:rPr>
+              <a:t>Conclusion</a:t>
+            </a:r>
+            <a:endParaRPr lang="en-US" altLang="zh-CN">
+              <a:solidFill>
+                <a:schemeClr val="bg1"/>
+              </a:solidFill>
+            </a:endParaRPr>
+          </a:p>
+        </p:txBody>
+      </p:sp>
+      <p:pic>
+        <p:nvPicPr>
+          <p:cNvPr id="4" name="内容占位符 3"/>
+          <p:cNvPicPr>
+            <a:picLocks noChangeAspect="1"/>
+          </p:cNvPicPr>
+          <p:nvPr>
+            <p:ph idx="1"/>
+          </p:nvPr>
+        </p:nvPicPr>
+        <p:blipFill>
+          <a:blip r:embed="rId1"/>
+          <a:stretch>
+            <a:fillRect/>
+          </a:stretch>
+        </p:blipFill>
+        <p:spPr>
+          <a:xfrm>
+            <a:off x="609600" y="1723390"/>
+            <a:ext cx="10972800" cy="3411220"/>
+          </a:xfrm>
+          <a:prstGeom prst="rect">
+            <a:avLst/>
+          </a:prstGeom>
+        </p:spPr>
+      </p:pic>
+      <p:cxnSp>
+        <p:nvCxnSpPr>
+          <p:cNvPr id="5" name="直接连接符 4"/>
+          <p:cNvCxnSpPr/>
+          <p:nvPr/>
+        </p:nvCxnSpPr>
+        <p:spPr>
+          <a:xfrm>
+            <a:off x="2344420" y="2968625"/>
+            <a:ext cx="9087485" cy="13335"/>
+          </a:xfrm>
+          <a:prstGeom prst="line">
+            <a:avLst/>
+          </a:prstGeom>
+          <a:ln>
+            <a:solidFill>
+              <a:srgbClr val="FF0000"/>
+            </a:solidFill>
+          </a:ln>
+        </p:spPr>
+        <p:style>
+          <a:lnRef idx="1">
+            <a:schemeClr val="accent5"/>
+          </a:lnRef>
+          <a:fillRef idx="0">
+            <a:schemeClr val="accent5"/>
+          </a:fillRef>
+          <a:effectRef idx="0">
+            <a:schemeClr val="accent5"/>
+          </a:effectRef>
+          <a:fontRef idx="minor">
+            <a:schemeClr val="tx1"/>
+          </a:fontRef>
+        </p:style>
+      </p:cxnSp>
+      <p:cxnSp>
+        <p:nvCxnSpPr>
+          <p:cNvPr id="6" name="直接连接符 5"/>
+          <p:cNvCxnSpPr/>
+          <p:nvPr/>
+        </p:nvCxnSpPr>
+        <p:spPr>
+          <a:xfrm flipV="1">
+            <a:off x="665480" y="3295015"/>
+            <a:ext cx="10779760" cy="6350"/>
+          </a:xfrm>
+          <a:prstGeom prst="line">
+            <a:avLst/>
+          </a:prstGeom>
+          <a:ln>
+            <a:solidFill>
+              <a:srgbClr val="FF0000"/>
+            </a:solidFill>
+          </a:ln>
+        </p:spPr>
+        <p:style>
+          <a:lnRef idx="1">
+            <a:schemeClr val="accent1"/>
+          </a:lnRef>
+          <a:fillRef idx="0">
+            <a:schemeClr val="accent1"/>
+          </a:fillRef>
+          <a:effectRef idx="0">
+            <a:schemeClr val="accent1"/>
+          </a:effectRef>
+          <a:fontRef idx="minor">
+            <a:schemeClr val="tx1"/>
+          </a:fontRef>
+        </p:style>
+      </p:cxnSp>
+      <p:cxnSp>
+        <p:nvCxnSpPr>
+          <p:cNvPr id="7" name="直接连接符 6"/>
+          <p:cNvCxnSpPr/>
+          <p:nvPr/>
+        </p:nvCxnSpPr>
+        <p:spPr>
+          <a:xfrm flipV="1">
+            <a:off x="585470" y="3594735"/>
+            <a:ext cx="8128000" cy="13335"/>
+          </a:xfrm>
+          <a:prstGeom prst="line">
+            <a:avLst/>
+          </a:prstGeom>
+          <a:ln>
+            <a:solidFill>
+              <a:srgbClr val="FF0000"/>
+            </a:solidFill>
+          </a:ln>
+        </p:spPr>
+        <p:style>
+          <a:lnRef idx="1">
+            <a:schemeClr val="accent1"/>
+          </a:lnRef>
+          <a:fillRef idx="0">
+            <a:schemeClr val="accent1"/>
+          </a:fillRef>
+          <a:effectRef idx="0">
+            <a:schemeClr val="accent1"/>
+          </a:effectRef>
+          <a:fontRef idx="minor">
+            <a:schemeClr val="tx1"/>
+          </a:fontRef>
+        </p:style>
+      </p:cxnSp>
+      <p:cxnSp>
+        <p:nvCxnSpPr>
+          <p:cNvPr id="8" name="直接连接符 7"/>
+          <p:cNvCxnSpPr/>
+          <p:nvPr/>
+        </p:nvCxnSpPr>
+        <p:spPr>
+          <a:xfrm>
+            <a:off x="7661275" y="4194175"/>
+            <a:ext cx="3783965" cy="0"/>
+          </a:xfrm>
+          <a:prstGeom prst="line">
+            <a:avLst/>
+          </a:prstGeom>
+          <a:ln>
+            <a:solidFill>
+              <a:srgbClr val="FF0000"/>
+            </a:solidFill>
+          </a:ln>
+        </p:spPr>
+        <p:style>
+          <a:lnRef idx="1">
+            <a:schemeClr val="accent1"/>
+          </a:lnRef>
+          <a:fillRef idx="0">
+            <a:schemeClr val="accent1"/>
+          </a:fillRef>
+          <a:effectRef idx="0">
+            <a:schemeClr val="accent1"/>
+          </a:effectRef>
+          <a:fontRef idx="minor">
+            <a:schemeClr val="tx1"/>
+          </a:fontRef>
+        </p:style>
+      </p:cxnSp>
+      <p:cxnSp>
+        <p:nvCxnSpPr>
+          <p:cNvPr id="9" name="直接连接符 8"/>
+          <p:cNvCxnSpPr/>
+          <p:nvPr/>
+        </p:nvCxnSpPr>
+        <p:spPr>
+          <a:xfrm>
+            <a:off x="625475" y="4487545"/>
+            <a:ext cx="10806430" cy="13335"/>
+          </a:xfrm>
+          <a:prstGeom prst="line">
+            <a:avLst/>
+          </a:prstGeom>
+          <a:ln>
+            <a:solidFill>
+              <a:srgbClr val="FF0000"/>
+            </a:solidFill>
+          </a:ln>
+        </p:spPr>
+        <p:style>
+          <a:lnRef idx="1">
+            <a:schemeClr val="accent1"/>
+          </a:lnRef>
+          <a:fillRef idx="0">
+            <a:schemeClr val="accent1"/>
+          </a:fillRef>
+          <a:effectRef idx="0">
+            <a:schemeClr val="accent1"/>
+          </a:effectRef>
+          <a:fontRef idx="minor">
+            <a:schemeClr val="tx1"/>
+          </a:fontRef>
+        </p:style>
+      </p:cxnSp>
+    </p:spTree>
+  </p:cSld>
+  <p:clrMapOvr>
+    <a:masterClrMapping/>
+  </p:clrMapOvr>
+</p:sld>
+</file>
+
+<file path=ppt/slides/slide16.xml><?xml version="1.0" encoding="utf-8"?>
+<p:sld xmlns:a="http://schemas.openxmlformats.org/drawingml/2006/main" xmlns:r="http://schemas.openxmlformats.org/officeDocument/2006/relationships" xmlns:p="http://schemas.openxmlformats.org/presentationml/2006/main">
+  <p:cSld>
+    <p:spTree>
+      <p:nvGrpSpPr>
+        <p:cNvPr id="1" name=""/>
+        <p:cNvGrpSpPr/>
+        <p:nvPr/>
+      </p:nvGrpSpPr>
+      <p:grpSpPr/>
+      <p:sp>
+        <p:nvSpPr>
           <p:cNvPr id="4" name="标题 3"/>
           <p:cNvSpPr>
             <a:spLocks noGrp="1"/>
@@ -6766,11 +7443,7 @@
           <a:prstGeom prst="smileyFace">
             <a:avLst/>
           </a:prstGeom>
-          <a:solidFill>
-            <a:schemeClr val="bg1">
-              <a:lumMod val="95000"/>
-            </a:schemeClr>
-          </a:solidFill>
+          <a:noFill/>
         </p:spPr>
         <p:style>
           <a:lnRef idx="2">
@@ -7202,7 +7875,7 @@
         <p:spPr>
           <a:xfrm>
             <a:off x="5092700" y="2143125"/>
-            <a:ext cx="6150610" cy="3046095"/>
+            <a:ext cx="6489700" cy="3046095"/>
           </a:xfrm>
           <a:prstGeom prst="rect">
             <a:avLst/>
@@ -7363,11 +8036,42 @@
               </a:rPr>
               <a:t>采用轻量级的信号处理技术</a:t>
             </a:r>
-            <a:endParaRPr lang="en-US" altLang="zh-CN" sz="2400">
+            <a:r>
+              <a:rPr lang="zh-CN" altLang="en-US" sz="2400">
+                <a:uFillTx/>
+                <a:latin typeface="Times New Roman" panose="02020603050405020304" charset="0"/>
+                <a:ea typeface="楷体" panose="02010609060101010101" charset="-122"/>
+                <a:cs typeface="楷体" panose="02010609060101010101" charset="-122"/>
+                <a:sym typeface="+mn-ea"/>
+              </a:rPr>
+              <a:t>、</a:t>
+            </a:r>
+            <a:r>
+              <a:rPr lang="en-US" altLang="zh-CN" sz="2400">
+                <a:uFillTx/>
+                <a:latin typeface="Times New Roman" panose="02020603050405020304" charset="0"/>
+                <a:ea typeface="楷体" panose="02010609060101010101" charset="-122"/>
+                <a:cs typeface="楷体" panose="02010609060101010101" charset="-122"/>
+                <a:sym typeface="+mn-ea"/>
+              </a:rPr>
+              <a:t>AES</a:t>
+            </a:r>
+            <a:r>
+              <a:rPr lang="zh-CN" altLang="en-US" sz="2400">
+                <a:uFillTx/>
+                <a:latin typeface="Times New Roman" panose="02020603050405020304" charset="0"/>
+                <a:ea typeface="楷体" panose="02010609060101010101" charset="-122"/>
+                <a:cs typeface="楷体" panose="02010609060101010101" charset="-122"/>
+                <a:sym typeface="+mn-ea"/>
+              </a:rPr>
+              <a:t>、哈希计算</a:t>
+            </a:r>
+            <a:endParaRPr lang="zh-CN" altLang="en-US" sz="2400">
               <a:uFillTx/>
               <a:latin typeface="Times New Roman" panose="02020603050405020304" charset="0"/>
               <a:ea typeface="楷体" panose="02010609060101010101" charset="-122"/>
               <a:cs typeface="楷体" panose="02010609060101010101" charset="-122"/>
+              <a:sym typeface="+mn-ea"/>
             </a:endParaRPr>
           </a:p>
         </p:txBody>
@@ -7762,7 +8466,7 @@
                 <a:cs typeface="+mn-lt"/>
                 <a:sym typeface="+mn-ea"/>
               </a:rPr>
-              <a:t>条件：</a:t>
+              <a:t>前提：</a:t>
             </a:r>
             <a:endParaRPr lang="zh-CN" altLang="en-US" sz="2000">
               <a:solidFill>
@@ -8106,7 +8810,33 @@
                 <a:cs typeface="楷体" panose="02010609060101010101" charset="-122"/>
                 <a:sym typeface="+mn-ea"/>
               </a:rPr>
-              <a:t>假设用户的一只手腕上戴着智能手表，通过内置的三通道加速度计测量的线性加速度为Acc(t)。由于手腕上记录的加速度计信号分别是腿部和手臂摆动信号的混合，因此我们问题的ICA模型可以写成</a:t>
+              <a:t>假设用户的一只手腕上戴着智能手表，通过内置的三通道加速度计测量的线性加速度为Acc(t)。由于</a:t>
+            </a:r>
+            <a:r>
+              <a:rPr lang="zh-CN" altLang="en-US" sz="2000" b="1">
+                <a:solidFill>
+                  <a:schemeClr val="tx1"/>
+                </a:solidFill>
+                <a:uFillTx/>
+                <a:latin typeface="Times New Roman" panose="02020603050405020304" charset="0"/>
+                <a:ea typeface="楷体" panose="02010609060101010101" charset="-122"/>
+                <a:cs typeface="楷体" panose="02010609060101010101" charset="-122"/>
+                <a:sym typeface="+mn-ea"/>
+              </a:rPr>
+              <a:t>手腕上记录的加速度计信号分别是腿部和手臂摆动信号的混合</a:t>
+            </a:r>
+            <a:r>
+              <a:rPr lang="zh-CN" altLang="en-US" sz="2000">
+                <a:solidFill>
+                  <a:schemeClr val="tx1"/>
+                </a:solidFill>
+                <a:uFillTx/>
+                <a:latin typeface="Times New Roman" panose="02020603050405020304" charset="0"/>
+                <a:ea typeface="楷体" panose="02010609060101010101" charset="-122"/>
+                <a:cs typeface="楷体" panose="02010609060101010101" charset="-122"/>
+                <a:sym typeface="+mn-ea"/>
+              </a:rPr>
+              <a:t>，因此我们问题的ICA模型可以写成</a:t>
             </a:r>
             <a:br>
               <a:rPr lang="zh-CN" altLang="en-US" sz="2000">
